--- a/0719/Bxy.pptx
+++ b/0719/Bxy.pptx
@@ -5,7 +5,7 @@
     <p:sldMasterId id="2147483648" r:id="rId1"/>
   </p:sldMasterIdLst>
   <p:notesMasterIdLst>
-    <p:notesMasterId r:id="rId8"/>
+    <p:notesMasterId r:id="rId9"/>
   </p:notesMasterIdLst>
   <p:sldIdLst>
     <p:sldId id="261" r:id="rId2"/>
@@ -13,7 +13,8 @@
     <p:sldId id="262" r:id="rId4"/>
     <p:sldId id="258" r:id="rId5"/>
     <p:sldId id="263" r:id="rId6"/>
-    <p:sldId id="264" r:id="rId7"/>
+    <p:sldId id="265" r:id="rId7"/>
+    <p:sldId id="266" r:id="rId8"/>
   </p:sldIdLst>
   <p:sldSz cx="12192000" cy="6858000"/>
   <p:notesSz cx="6858000" cy="9144000"/>
@@ -202,7 +203,7 @@
           <a:p>
             <a:fld id="{FF80D95B-B98D-4BF4-B892-BD1816B95785}" type="datetimeFigureOut">
               <a:rPr lang="zh-CN" altLang="en-US" smtClean="0"/>
-              <a:t>2018/7/19</a:t>
+              <a:t>2018/7/20</a:t>
             </a:fld>
             <a:endParaRPr lang="zh-CN" altLang="en-US"/>
           </a:p>
@@ -700,7 +701,7 @@
           <a:p>
             <a:fld id="{3F533B81-9E26-426F-8F2C-CA2FECA1EBF3}" type="datetimeFigureOut">
               <a:rPr lang="zh-CN" altLang="en-US" smtClean="0"/>
-              <a:t>2018/7/19</a:t>
+              <a:t>2018/7/20</a:t>
             </a:fld>
             <a:endParaRPr lang="zh-CN" altLang="en-US"/>
           </a:p>
@@ -898,7 +899,7 @@
           <a:p>
             <a:fld id="{3F533B81-9E26-426F-8F2C-CA2FECA1EBF3}" type="datetimeFigureOut">
               <a:rPr lang="zh-CN" altLang="en-US" smtClean="0"/>
-              <a:t>2018/7/19</a:t>
+              <a:t>2018/7/20</a:t>
             </a:fld>
             <a:endParaRPr lang="zh-CN" altLang="en-US"/>
           </a:p>
@@ -1106,7 +1107,7 @@
           <a:p>
             <a:fld id="{3F533B81-9E26-426F-8F2C-CA2FECA1EBF3}" type="datetimeFigureOut">
               <a:rPr lang="zh-CN" altLang="en-US" smtClean="0"/>
-              <a:t>2018/7/19</a:t>
+              <a:t>2018/7/20</a:t>
             </a:fld>
             <a:endParaRPr lang="zh-CN" altLang="en-US"/>
           </a:p>
@@ -1304,7 +1305,7 @@
           <a:p>
             <a:fld id="{3F533B81-9E26-426F-8F2C-CA2FECA1EBF3}" type="datetimeFigureOut">
               <a:rPr lang="zh-CN" altLang="en-US" smtClean="0"/>
-              <a:t>2018/7/19</a:t>
+              <a:t>2018/7/20</a:t>
             </a:fld>
             <a:endParaRPr lang="zh-CN" altLang="en-US"/>
           </a:p>
@@ -1579,7 +1580,7 @@
           <a:p>
             <a:fld id="{3F533B81-9E26-426F-8F2C-CA2FECA1EBF3}" type="datetimeFigureOut">
               <a:rPr lang="zh-CN" altLang="en-US" smtClean="0"/>
-              <a:t>2018/7/19</a:t>
+              <a:t>2018/7/20</a:t>
             </a:fld>
             <a:endParaRPr lang="zh-CN" altLang="en-US"/>
           </a:p>
@@ -1844,7 +1845,7 @@
           <a:p>
             <a:fld id="{3F533B81-9E26-426F-8F2C-CA2FECA1EBF3}" type="datetimeFigureOut">
               <a:rPr lang="zh-CN" altLang="en-US" smtClean="0"/>
-              <a:t>2018/7/19</a:t>
+              <a:t>2018/7/20</a:t>
             </a:fld>
             <a:endParaRPr lang="zh-CN" altLang="en-US"/>
           </a:p>
@@ -2256,7 +2257,7 @@
           <a:p>
             <a:fld id="{3F533B81-9E26-426F-8F2C-CA2FECA1EBF3}" type="datetimeFigureOut">
               <a:rPr lang="zh-CN" altLang="en-US" smtClean="0"/>
-              <a:t>2018/7/19</a:t>
+              <a:t>2018/7/20</a:t>
             </a:fld>
             <a:endParaRPr lang="zh-CN" altLang="en-US"/>
           </a:p>
@@ -2397,7 +2398,7 @@
           <a:p>
             <a:fld id="{3F533B81-9E26-426F-8F2C-CA2FECA1EBF3}" type="datetimeFigureOut">
               <a:rPr lang="zh-CN" altLang="en-US" smtClean="0"/>
-              <a:t>2018/7/19</a:t>
+              <a:t>2018/7/20</a:t>
             </a:fld>
             <a:endParaRPr lang="zh-CN" altLang="en-US"/>
           </a:p>
@@ -2510,7 +2511,7 @@
           <a:p>
             <a:fld id="{3F533B81-9E26-426F-8F2C-CA2FECA1EBF3}" type="datetimeFigureOut">
               <a:rPr lang="zh-CN" altLang="en-US" smtClean="0"/>
-              <a:t>2018/7/19</a:t>
+              <a:t>2018/7/20</a:t>
             </a:fld>
             <a:endParaRPr lang="zh-CN" altLang="en-US"/>
           </a:p>
@@ -2821,7 +2822,7 @@
           <a:p>
             <a:fld id="{3F533B81-9E26-426F-8F2C-CA2FECA1EBF3}" type="datetimeFigureOut">
               <a:rPr lang="zh-CN" altLang="en-US" smtClean="0"/>
-              <a:t>2018/7/19</a:t>
+              <a:t>2018/7/20</a:t>
             </a:fld>
             <a:endParaRPr lang="zh-CN" altLang="en-US"/>
           </a:p>
@@ -3109,7 +3110,7 @@
           <a:p>
             <a:fld id="{3F533B81-9E26-426F-8F2C-CA2FECA1EBF3}" type="datetimeFigureOut">
               <a:rPr lang="zh-CN" altLang="en-US" smtClean="0"/>
-              <a:t>2018/7/19</a:t>
+              <a:t>2018/7/20</a:t>
             </a:fld>
             <a:endParaRPr lang="zh-CN" altLang="en-US"/>
           </a:p>
@@ -3350,7 +3351,7 @@
           <a:p>
             <a:fld id="{3F533B81-9E26-426F-8F2C-CA2FECA1EBF3}" type="datetimeFigureOut">
               <a:rPr lang="zh-CN" altLang="en-US" smtClean="0"/>
-              <a:t>2018/7/19</a:t>
+              <a:t>2018/7/20</a:t>
             </a:fld>
             <a:endParaRPr lang="zh-CN" altLang="en-US"/>
           </a:p>
@@ -3865,7 +3866,7 @@
         <p:spPr>
           <a:xfrm>
             <a:off x="9283149" y="4631635"/>
-            <a:ext cx="1390124" cy="830997"/>
+            <a:ext cx="1754006" cy="1200329"/>
           </a:xfrm>
           <a:prstGeom prst="rect">
             <a:avLst/>
@@ -3879,15 +3880,28 @@
           <a:lstStyle/>
           <a:p>
             <a:r>
-              <a:rPr lang="zh-CN" altLang="en-US" sz="2400" dirty="0"/>
-              <a:t>鲍西雨</a:t>
-            </a:r>
-            <a:endParaRPr lang="en-US" altLang="zh-CN" sz="2400" dirty="0"/>
-          </a:p>
-          <a:p>
+              <a:rPr lang="en-US" altLang="zh-CN" sz="2400" dirty="0" err="1"/>
+              <a:t>Xiyu</a:t>
+            </a:r>
             <a:r>
               <a:rPr lang="en-US" altLang="zh-CN" sz="2400" dirty="0"/>
-              <a:t>2018/7/3</a:t>
+              <a:t> Bao</a:t>
+            </a:r>
+          </a:p>
+          <a:p>
+            <a:r>
+              <a:rPr lang="en-US" altLang="zh-CN" sz="2400" dirty="0" err="1"/>
+              <a:t>Yinhao</a:t>
+            </a:r>
+            <a:r>
+              <a:rPr lang="en-US" altLang="zh-CN" sz="2400" dirty="0"/>
+              <a:t> Xiao</a:t>
+            </a:r>
+          </a:p>
+          <a:p>
+            <a:r>
+              <a:rPr lang="en-US" altLang="zh-CN" sz="2400" dirty="0"/>
+              <a:t>2018/7/20</a:t>
             </a:r>
             <a:endParaRPr lang="zh-CN" altLang="en-US" sz="2400" dirty="0"/>
           </a:p>
@@ -4237,6 +4251,11 @@
               <a:rPr lang="en-US" altLang="zh-CN" dirty="0"/>
               <a:t>Phishing Website, </a:t>
             </a:r>
+            <a:r>
+              <a:rPr lang="en-US" altLang="zh-CN" dirty="0" err="1"/>
+              <a:t>etc</a:t>
+            </a:r>
+            <a:endParaRPr lang="en-US" altLang="zh-CN" dirty="0"/>
           </a:p>
           <a:p>
             <a:r>
@@ -4248,8 +4267,13 @@
             <a:pPr lvl="1"/>
             <a:r>
               <a:rPr lang="en-US" altLang="zh-CN" dirty="0"/>
-              <a:t>Listener</a:t>
-            </a:r>
+              <a:t>Listener, </a:t>
+            </a:r>
+            <a:r>
+              <a:rPr lang="en-US" altLang="zh-CN" dirty="0" err="1"/>
+              <a:t>etc</a:t>
+            </a:r>
+            <a:endParaRPr lang="en-US" altLang="zh-CN" dirty="0"/>
           </a:p>
           <a:p>
             <a:r>
@@ -4598,6 +4622,77 @@
           </a:p>
         </p:txBody>
       </p:sp>
+      <p:pic>
+        <p:nvPicPr>
+          <p:cNvPr id="6" name="内容占位符 12">
+            <a:extLst>
+              <a:ext uri="{FF2B5EF4-FFF2-40B4-BE49-F238E27FC236}">
+                <a16:creationId xmlns:a16="http://schemas.microsoft.com/office/drawing/2014/main" id="{7FD513C2-EC1B-4FED-9D18-BCBE243C0E5A}"/>
+              </a:ext>
+            </a:extLst>
+          </p:cNvPr>
+          <p:cNvPicPr>
+            <a:picLocks noGrp="1" noChangeAspect="1"/>
+          </p:cNvPicPr>
+          <p:nvPr>
+            <p:ph idx="1"/>
+          </p:nvPr>
+        </p:nvPicPr>
+        <p:blipFill>
+          <a:blip r:embed="rId3">
+            <a:extLst>
+              <a:ext uri="{28A0092B-C50C-407E-A947-70E740481C1C}">
+                <a14:useLocalDpi xmlns:a14="http://schemas.microsoft.com/office/drawing/2010/main" val="0"/>
+              </a:ext>
+            </a:extLst>
+          </a:blip>
+          <a:stretch>
+            <a:fillRect/>
+          </a:stretch>
+        </p:blipFill>
+        <p:spPr>
+          <a:xfrm>
+            <a:off x="2839280" y="-60964"/>
+            <a:ext cx="8203094" cy="6918964"/>
+          </a:xfrm>
+        </p:spPr>
+      </p:pic>
+      <p:pic>
+        <p:nvPicPr>
+          <p:cNvPr id="7" name="内容占位符 4">
+            <a:extLst>
+              <a:ext uri="{FF2B5EF4-FFF2-40B4-BE49-F238E27FC236}">
+                <a16:creationId xmlns:a16="http://schemas.microsoft.com/office/drawing/2014/main" id="{6873E63D-D85D-4585-9221-46B9A1298A96}"/>
+              </a:ext>
+            </a:extLst>
+          </p:cNvPr>
+          <p:cNvPicPr>
+            <a:picLocks noChangeAspect="1"/>
+          </p:cNvPicPr>
+          <p:nvPr/>
+        </p:nvPicPr>
+        <p:blipFill>
+          <a:blip r:embed="rId4">
+            <a:extLst>
+              <a:ext uri="{28A0092B-C50C-407E-A947-70E740481C1C}">
+                <a14:useLocalDpi xmlns:a14="http://schemas.microsoft.com/office/drawing/2010/main" val="0"/>
+              </a:ext>
+            </a:extLst>
+          </a:blip>
+          <a:stretch>
+            <a:fillRect/>
+          </a:stretch>
+        </p:blipFill>
+        <p:spPr>
+          <a:xfrm>
+            <a:off x="2598113" y="414821"/>
+            <a:ext cx="9738974" cy="6409150"/>
+          </a:xfrm>
+          <a:prstGeom prst="rect">
+            <a:avLst/>
+          </a:prstGeom>
+        </p:spPr>
+      </p:pic>
     </p:spTree>
     <p:extLst>
       <p:ext uri="{BB962C8B-B14F-4D97-AF65-F5344CB8AC3E}">
@@ -4672,6 +4767,352 @@
                       </p:childTnLst>
                     </p:cTn>
                   </p:par>
+                  <p:par>
+                    <p:cTn id="8" fill="hold">
+                      <p:stCondLst>
+                        <p:cond delay="indefinite"/>
+                      </p:stCondLst>
+                      <p:childTnLst>
+                        <p:par>
+                          <p:cTn id="9" fill="hold">
+                            <p:stCondLst>
+                              <p:cond delay="0"/>
+                            </p:stCondLst>
+                            <p:childTnLst>
+                              <p:par>
+                                <p:cTn id="10" presetID="2" presetClass="exit" presetSubtype="2" fill="hold" nodeType="clickEffect">
+                                  <p:stCondLst>
+                                    <p:cond delay="0"/>
+                                  </p:stCondLst>
+                                  <p:childTnLst>
+                                    <p:anim calcmode="lin" valueType="num">
+                                      <p:cBhvr additive="base">
+                                        <p:cTn id="11" dur="500"/>
+                                        <p:tgtEl>
+                                          <p:spTgt spid="4"/>
+                                        </p:tgtEl>
+                                        <p:attrNameLst>
+                                          <p:attrName>ppt_x</p:attrName>
+                                        </p:attrNameLst>
+                                      </p:cBhvr>
+                                      <p:tavLst>
+                                        <p:tav tm="0">
+                                          <p:val>
+                                            <p:strVal val="ppt_x"/>
+                                          </p:val>
+                                        </p:tav>
+                                        <p:tav tm="100000">
+                                          <p:val>
+                                            <p:strVal val="1+ppt_w/2"/>
+                                          </p:val>
+                                        </p:tav>
+                                      </p:tavLst>
+                                    </p:anim>
+                                    <p:anim calcmode="lin" valueType="num">
+                                      <p:cBhvr additive="base">
+                                        <p:cTn id="12" dur="500"/>
+                                        <p:tgtEl>
+                                          <p:spTgt spid="4"/>
+                                        </p:tgtEl>
+                                        <p:attrNameLst>
+                                          <p:attrName>ppt_y</p:attrName>
+                                        </p:attrNameLst>
+                                      </p:cBhvr>
+                                      <p:tavLst>
+                                        <p:tav tm="0">
+                                          <p:val>
+                                            <p:strVal val="ppt_y"/>
+                                          </p:val>
+                                        </p:tav>
+                                        <p:tav tm="100000">
+                                          <p:val>
+                                            <p:strVal val="ppt_y"/>
+                                          </p:val>
+                                        </p:tav>
+                                      </p:tavLst>
+                                    </p:anim>
+                                    <p:set>
+                                      <p:cBhvr>
+                                        <p:cTn id="13" dur="1" fill="hold">
+                                          <p:stCondLst>
+                                            <p:cond delay="499"/>
+                                          </p:stCondLst>
+                                        </p:cTn>
+                                        <p:tgtEl>
+                                          <p:spTgt spid="4"/>
+                                        </p:tgtEl>
+                                        <p:attrNameLst>
+                                          <p:attrName>style.visibility</p:attrName>
+                                        </p:attrNameLst>
+                                      </p:cBhvr>
+                                      <p:to>
+                                        <p:strVal val="hidden"/>
+                                      </p:to>
+                                    </p:set>
+                                  </p:childTnLst>
+                                </p:cTn>
+                              </p:par>
+                            </p:childTnLst>
+                          </p:cTn>
+                        </p:par>
+                        <p:par>
+                          <p:cTn id="14" fill="hold">
+                            <p:stCondLst>
+                              <p:cond delay="500"/>
+                            </p:stCondLst>
+                            <p:childTnLst>
+                              <p:par>
+                                <p:cTn id="15" presetID="2" presetClass="entr" presetSubtype="2" fill="hold" nodeType="afterEffect">
+                                  <p:stCondLst>
+                                    <p:cond delay="0"/>
+                                  </p:stCondLst>
+                                  <p:childTnLst>
+                                    <p:set>
+                                      <p:cBhvr>
+                                        <p:cTn id="16" dur="1" fill="hold">
+                                          <p:stCondLst>
+                                            <p:cond delay="0"/>
+                                          </p:stCondLst>
+                                        </p:cTn>
+                                        <p:tgtEl>
+                                          <p:spTgt spid="6"/>
+                                        </p:tgtEl>
+                                        <p:attrNameLst>
+                                          <p:attrName>style.visibility</p:attrName>
+                                        </p:attrNameLst>
+                                      </p:cBhvr>
+                                      <p:to>
+                                        <p:strVal val="visible"/>
+                                      </p:to>
+                                    </p:set>
+                                    <p:anim calcmode="lin" valueType="num">
+                                      <p:cBhvr additive="base">
+                                        <p:cTn id="17" dur="500" fill="hold"/>
+                                        <p:tgtEl>
+                                          <p:spTgt spid="6"/>
+                                        </p:tgtEl>
+                                        <p:attrNameLst>
+                                          <p:attrName>ppt_x</p:attrName>
+                                        </p:attrNameLst>
+                                      </p:cBhvr>
+                                      <p:tavLst>
+                                        <p:tav tm="0">
+                                          <p:val>
+                                            <p:strVal val="1+#ppt_w/2"/>
+                                          </p:val>
+                                        </p:tav>
+                                        <p:tav tm="100000">
+                                          <p:val>
+                                            <p:strVal val="#ppt_x"/>
+                                          </p:val>
+                                        </p:tav>
+                                      </p:tavLst>
+                                    </p:anim>
+                                    <p:anim calcmode="lin" valueType="num">
+                                      <p:cBhvr additive="base">
+                                        <p:cTn id="18" dur="500" fill="hold"/>
+                                        <p:tgtEl>
+                                          <p:spTgt spid="6"/>
+                                        </p:tgtEl>
+                                        <p:attrNameLst>
+                                          <p:attrName>ppt_y</p:attrName>
+                                        </p:attrNameLst>
+                                      </p:cBhvr>
+                                      <p:tavLst>
+                                        <p:tav tm="0">
+                                          <p:val>
+                                            <p:strVal val="#ppt_y"/>
+                                          </p:val>
+                                        </p:tav>
+                                        <p:tav tm="100000">
+                                          <p:val>
+                                            <p:strVal val="#ppt_y"/>
+                                          </p:val>
+                                        </p:tav>
+                                      </p:tavLst>
+                                    </p:anim>
+                                  </p:childTnLst>
+                                </p:cTn>
+                              </p:par>
+                            </p:childTnLst>
+                          </p:cTn>
+                        </p:par>
+                      </p:childTnLst>
+                    </p:cTn>
+                  </p:par>
+                  <p:par>
+                    <p:cTn id="19" fill="hold">
+                      <p:stCondLst>
+                        <p:cond delay="indefinite"/>
+                      </p:stCondLst>
+                      <p:childTnLst>
+                        <p:par>
+                          <p:cTn id="20" fill="hold">
+                            <p:stCondLst>
+                              <p:cond delay="0"/>
+                            </p:stCondLst>
+                            <p:childTnLst>
+                              <p:par>
+                                <p:cTn id="21" presetID="2" presetClass="exit" presetSubtype="8" fill="hold" nodeType="clickEffect">
+                                  <p:stCondLst>
+                                    <p:cond delay="0"/>
+                                  </p:stCondLst>
+                                  <p:childTnLst>
+                                    <p:anim calcmode="lin" valueType="num">
+                                      <p:cBhvr additive="base">
+                                        <p:cTn id="22" dur="500"/>
+                                        <p:tgtEl>
+                                          <p:spTgt spid="6"/>
+                                        </p:tgtEl>
+                                        <p:attrNameLst>
+                                          <p:attrName>ppt_x</p:attrName>
+                                        </p:attrNameLst>
+                                      </p:cBhvr>
+                                      <p:tavLst>
+                                        <p:tav tm="0">
+                                          <p:val>
+                                            <p:strVal val="ppt_x"/>
+                                          </p:val>
+                                        </p:tav>
+                                        <p:tav tm="100000">
+                                          <p:val>
+                                            <p:strVal val="0-ppt_w/2"/>
+                                          </p:val>
+                                        </p:tav>
+                                      </p:tavLst>
+                                    </p:anim>
+                                    <p:anim calcmode="lin" valueType="num">
+                                      <p:cBhvr additive="base">
+                                        <p:cTn id="23" dur="500"/>
+                                        <p:tgtEl>
+                                          <p:spTgt spid="6"/>
+                                        </p:tgtEl>
+                                        <p:attrNameLst>
+                                          <p:attrName>ppt_y</p:attrName>
+                                        </p:attrNameLst>
+                                      </p:cBhvr>
+                                      <p:tavLst>
+                                        <p:tav tm="0">
+                                          <p:val>
+                                            <p:strVal val="ppt_y"/>
+                                          </p:val>
+                                        </p:tav>
+                                        <p:tav tm="100000">
+                                          <p:val>
+                                            <p:strVal val="ppt_y"/>
+                                          </p:val>
+                                        </p:tav>
+                                      </p:tavLst>
+                                    </p:anim>
+                                    <p:set>
+                                      <p:cBhvr>
+                                        <p:cTn id="24" dur="1" fill="hold">
+                                          <p:stCondLst>
+                                            <p:cond delay="499"/>
+                                          </p:stCondLst>
+                                        </p:cTn>
+                                        <p:tgtEl>
+                                          <p:spTgt spid="6"/>
+                                        </p:tgtEl>
+                                        <p:attrNameLst>
+                                          <p:attrName>style.visibility</p:attrName>
+                                        </p:attrNameLst>
+                                      </p:cBhvr>
+                                      <p:to>
+                                        <p:strVal val="hidden"/>
+                                      </p:to>
+                                    </p:set>
+                                  </p:childTnLst>
+                                </p:cTn>
+                              </p:par>
+                            </p:childTnLst>
+                          </p:cTn>
+                        </p:par>
+                        <p:par>
+                          <p:cTn id="25" fill="hold">
+                            <p:stCondLst>
+                              <p:cond delay="500"/>
+                            </p:stCondLst>
+                            <p:childTnLst>
+                              <p:par>
+                                <p:cTn id="26" presetID="2" presetClass="entr" presetSubtype="8" fill="hold" nodeType="afterEffect">
+                                  <p:stCondLst>
+                                    <p:cond delay="0"/>
+                                  </p:stCondLst>
+                                  <p:childTnLst>
+                                    <p:set>
+                                      <p:cBhvr>
+                                        <p:cTn id="27" dur="1" fill="hold">
+                                          <p:stCondLst>
+                                            <p:cond delay="0"/>
+                                          </p:stCondLst>
+                                        </p:cTn>
+                                        <p:tgtEl>
+                                          <p:spTgt spid="7"/>
+                                        </p:tgtEl>
+                                        <p:attrNameLst>
+                                          <p:attrName>style.visibility</p:attrName>
+                                        </p:attrNameLst>
+                                      </p:cBhvr>
+                                      <p:to>
+                                        <p:strVal val="visible"/>
+                                      </p:to>
+                                    </p:set>
+                                    <p:anim calcmode="lin" valueType="num">
+                                      <p:cBhvr additive="base">
+                                        <p:cTn id="28" dur="500" fill="hold"/>
+                                        <p:tgtEl>
+                                          <p:spTgt spid="7"/>
+                                        </p:tgtEl>
+                                        <p:attrNameLst>
+                                          <p:attrName>ppt_x</p:attrName>
+                                        </p:attrNameLst>
+                                      </p:cBhvr>
+                                      <p:tavLst>
+                                        <p:tav tm="0">
+                                          <p:val>
+                                            <p:strVal val="0-#ppt_w/2"/>
+                                          </p:val>
+                                        </p:tav>
+                                        <p:tav tm="100000">
+                                          <p:val>
+                                            <p:strVal val="#ppt_x"/>
+                                          </p:val>
+                                        </p:tav>
+                                      </p:tavLst>
+                                    </p:anim>
+                                    <p:anim calcmode="lin" valueType="num">
+                                      <p:cBhvr additive="base">
+                                        <p:cTn id="29" dur="500" fill="hold"/>
+                                        <p:tgtEl>
+                                          <p:spTgt spid="7"/>
+                                        </p:tgtEl>
+                                        <p:attrNameLst>
+                                          <p:attrName>ppt_y</p:attrName>
+                                        </p:attrNameLst>
+                                      </p:cBhvr>
+                                      <p:tavLst>
+                                        <p:tav tm="0">
+                                          <p:val>
+                                            <p:strVal val="#ppt_y"/>
+                                          </p:val>
+                                        </p:tav>
+                                        <p:tav tm="100000">
+                                          <p:val>
+                                            <p:strVal val="#ppt_y"/>
+                                          </p:val>
+                                        </p:tav>
+                                      </p:tavLst>
+                                    </p:anim>
+                                  </p:childTnLst>
+                                </p:cTn>
+                              </p:par>
+                            </p:childTnLst>
+                          </p:cTn>
+                        </p:par>
+                      </p:childTnLst>
+                    </p:cTn>
+                  </p:par>
                 </p:childTnLst>
               </p:cTn>
               <p:prevCondLst>
@@ -4719,7 +5160,7 @@
           <p:cNvPr id="2" name="标题 1">
             <a:extLst>
               <a:ext uri="{FF2B5EF4-FFF2-40B4-BE49-F238E27FC236}">
-                <a16:creationId xmlns:a16="http://schemas.microsoft.com/office/drawing/2014/main" id="{2687A4BE-B2DC-4ED0-A287-FBF9838FC01A}"/>
+                <a16:creationId xmlns:a16="http://schemas.microsoft.com/office/drawing/2014/main" id="{55AEA8CA-1583-4056-B548-7BA1B208CB84}"/>
               </a:ext>
             </a:extLst>
           </p:cNvPr>
@@ -4737,41 +5178,116 @@
           <a:p>
             <a:r>
               <a:rPr lang="en-US" altLang="zh-CN" dirty="0"/>
-              <a:t>Sound layer</a:t>
+              <a:t>Layer 3</a:t>
             </a:r>
             <a:endParaRPr lang="zh-CN" altLang="en-US" dirty="0"/>
           </a:p>
         </p:txBody>
       </p:sp>
-      <p:sp>
-        <p:nvSpPr>
-          <p:cNvPr id="3" name="内容占位符 2">
-            <a:extLst>
-              <a:ext uri="{FF2B5EF4-FFF2-40B4-BE49-F238E27FC236}">
-                <a16:creationId xmlns:a16="http://schemas.microsoft.com/office/drawing/2014/main" id="{D766B570-079F-41BB-AF5B-46BAD40D53FF}"/>
-              </a:ext>
-            </a:extLst>
-          </p:cNvPr>
-          <p:cNvSpPr>
-            <a:spLocks noGrp="1"/>
-          </p:cNvSpPr>
+      <p:pic>
+        <p:nvPicPr>
+          <p:cNvPr id="5" name="内容占位符 4">
+            <a:extLst>
+              <a:ext uri="{FF2B5EF4-FFF2-40B4-BE49-F238E27FC236}">
+                <a16:creationId xmlns:a16="http://schemas.microsoft.com/office/drawing/2014/main" id="{82F989AA-485A-49BE-924E-7B93EC614B67}"/>
+              </a:ext>
+            </a:extLst>
+          </p:cNvPr>
+          <p:cNvPicPr>
+            <a:picLocks noGrp="1" noChangeAspect="1"/>
+          </p:cNvPicPr>
           <p:nvPr>
             <p:ph idx="1"/>
           </p:nvPr>
-        </p:nvSpPr>
-        <p:spPr/>
-        <p:txBody>
-          <a:bodyPr/>
-          <a:lstStyle/>
-          <a:p>
-            <a:endParaRPr lang="zh-CN" altLang="en-US"/>
-          </a:p>
-        </p:txBody>
-      </p:sp>
+        </p:nvPicPr>
+        <p:blipFill>
+          <a:blip r:embed="rId2">
+            <a:extLst>
+              <a:ext uri="{28A0092B-C50C-407E-A947-70E740481C1C}">
+                <a14:useLocalDpi xmlns:a14="http://schemas.microsoft.com/office/drawing/2010/main" val="0"/>
+              </a:ext>
+            </a:extLst>
+          </a:blip>
+          <a:stretch>
+            <a:fillRect/>
+          </a:stretch>
+        </p:blipFill>
+        <p:spPr>
+          <a:xfrm>
+            <a:off x="2809461" y="-10668"/>
+            <a:ext cx="8143460" cy="6868668"/>
+          </a:xfrm>
+        </p:spPr>
+      </p:pic>
     </p:spTree>
     <p:extLst>
       <p:ext uri="{BB962C8B-B14F-4D97-AF65-F5344CB8AC3E}">
-        <p14:creationId xmlns:p14="http://schemas.microsoft.com/office/powerpoint/2010/main" val="1657470207"/>
+        <p14:creationId xmlns:p14="http://schemas.microsoft.com/office/powerpoint/2010/main" val="3496461973"/>
+      </p:ext>
+    </p:extLst>
+  </p:cSld>
+  <p:clrMapOvr>
+    <a:masterClrMapping/>
+  </p:clrMapOvr>
+</p:sld>
+</file>
+
+<file path=ppt/slides/slide7.xml><?xml version="1.0" encoding="utf-8"?>
+<p:sld xmlns:a="http://schemas.openxmlformats.org/drawingml/2006/main" xmlns:r="http://schemas.openxmlformats.org/officeDocument/2006/relationships" xmlns:p="http://schemas.openxmlformats.org/presentationml/2006/main">
+  <p:cSld>
+    <p:spTree>
+      <p:nvGrpSpPr>
+        <p:cNvPr id="1" name=""/>
+        <p:cNvGrpSpPr/>
+        <p:nvPr/>
+      </p:nvGrpSpPr>
+      <p:grpSpPr>
+        <a:xfrm>
+          <a:off x="0" y="0"/>
+          <a:ext cx="0" cy="0"/>
+          <a:chOff x="0" y="0"/>
+          <a:chExt cx="0" cy="0"/>
+        </a:xfrm>
+      </p:grpSpPr>
+      <p:sp>
+        <p:nvSpPr>
+          <p:cNvPr id="2" name="标题 1">
+            <a:extLst>
+              <a:ext uri="{FF2B5EF4-FFF2-40B4-BE49-F238E27FC236}">
+                <a16:creationId xmlns:a16="http://schemas.microsoft.com/office/drawing/2014/main" id="{406E94A9-8385-4DB4-B14E-7EA86DA67D31}"/>
+              </a:ext>
+            </a:extLst>
+          </p:cNvPr>
+          <p:cNvSpPr>
+            <a:spLocks noGrp="1"/>
+          </p:cNvSpPr>
+          <p:nvPr>
+            <p:ph type="title"/>
+          </p:nvPr>
+        </p:nvSpPr>
+        <p:spPr>
+          <a:xfrm>
+            <a:off x="838200" y="2766218"/>
+            <a:ext cx="10515600" cy="1325563"/>
+          </a:xfrm>
+        </p:spPr>
+        <p:txBody>
+          <a:bodyPr/>
+          <a:lstStyle/>
+          <a:p>
+            <a:pPr algn="ctr"/>
+            <a:r>
+              <a:rPr lang="en-US" altLang="zh-CN" dirty="0"/>
+              <a:t>Thanks</a:t>
+            </a:r>
+            <a:endParaRPr lang="zh-CN" altLang="en-US" dirty="0"/>
+          </a:p>
+        </p:txBody>
+      </p:sp>
+    </p:spTree>
+    <p:extLst>
+      <p:ext uri="{BB962C8B-B14F-4D97-AF65-F5344CB8AC3E}">
+        <p14:creationId xmlns:p14="http://schemas.microsoft.com/office/powerpoint/2010/main" val="4086050844"/>
       </p:ext>
     </p:extLst>
   </p:cSld>
